--- a/doc/TrilinosLifecycleModel2/TypicalNonAgileSoftwarePhases.pptx
+++ b/doc/TrilinosLifecycleModel2/TypicalNonAgileSoftwarePhases.pptx
@@ -288,7 +288,7 @@
           <a:p>
             <a:fld id="{DAAF2A7E-F183-4AEC-8AD4-F1D906E932CB}" type="datetimeFigureOut">
               <a:rPr lang="en-US" smtClean="0"/>
-              <a:t>10/27/2011</a:t>
+              <a:t>11/4/2011</a:t>
             </a:fld>
             <a:endParaRPr lang="en-US"/>
           </a:p>
@@ -458,7 +458,7 @@
           <a:p>
             <a:fld id="{DAAF2A7E-F183-4AEC-8AD4-F1D906E932CB}" type="datetimeFigureOut">
               <a:rPr lang="en-US" smtClean="0"/>
-              <a:t>10/27/2011</a:t>
+              <a:t>11/4/2011</a:t>
             </a:fld>
             <a:endParaRPr lang="en-US"/>
           </a:p>
@@ -638,7 +638,7 @@
           <a:p>
             <a:fld id="{DAAF2A7E-F183-4AEC-8AD4-F1D906E932CB}" type="datetimeFigureOut">
               <a:rPr lang="en-US" smtClean="0"/>
-              <a:t>10/27/2011</a:t>
+              <a:t>11/4/2011</a:t>
             </a:fld>
             <a:endParaRPr lang="en-US"/>
           </a:p>
@@ -808,7 +808,7 @@
           <a:p>
             <a:fld id="{DAAF2A7E-F183-4AEC-8AD4-F1D906E932CB}" type="datetimeFigureOut">
               <a:rPr lang="en-US" smtClean="0"/>
-              <a:t>10/27/2011</a:t>
+              <a:t>11/4/2011</a:t>
             </a:fld>
             <a:endParaRPr lang="en-US"/>
           </a:p>
@@ -1054,7 +1054,7 @@
           <a:p>
             <a:fld id="{DAAF2A7E-F183-4AEC-8AD4-F1D906E932CB}" type="datetimeFigureOut">
               <a:rPr lang="en-US" smtClean="0"/>
-              <a:t>10/27/2011</a:t>
+              <a:t>11/4/2011</a:t>
             </a:fld>
             <a:endParaRPr lang="en-US"/>
           </a:p>
@@ -1342,7 +1342,7 @@
           <a:p>
             <a:fld id="{DAAF2A7E-F183-4AEC-8AD4-F1D906E932CB}" type="datetimeFigureOut">
               <a:rPr lang="en-US" smtClean="0"/>
-              <a:t>10/27/2011</a:t>
+              <a:t>11/4/2011</a:t>
             </a:fld>
             <a:endParaRPr lang="en-US"/>
           </a:p>
@@ -1764,7 +1764,7 @@
           <a:p>
             <a:fld id="{DAAF2A7E-F183-4AEC-8AD4-F1D906E932CB}" type="datetimeFigureOut">
               <a:rPr lang="en-US" smtClean="0"/>
-              <a:t>10/27/2011</a:t>
+              <a:t>11/4/2011</a:t>
             </a:fld>
             <a:endParaRPr lang="en-US"/>
           </a:p>
@@ -1882,7 +1882,7 @@
           <a:p>
             <a:fld id="{DAAF2A7E-F183-4AEC-8AD4-F1D906E932CB}" type="datetimeFigureOut">
               <a:rPr lang="en-US" smtClean="0"/>
-              <a:t>10/27/2011</a:t>
+              <a:t>11/4/2011</a:t>
             </a:fld>
             <a:endParaRPr lang="en-US"/>
           </a:p>
@@ -1977,7 +1977,7 @@
           <a:p>
             <a:fld id="{DAAF2A7E-F183-4AEC-8AD4-F1D906E932CB}" type="datetimeFigureOut">
               <a:rPr lang="en-US" smtClean="0"/>
-              <a:t>10/27/2011</a:t>
+              <a:t>11/4/2011</a:t>
             </a:fld>
             <a:endParaRPr lang="en-US"/>
           </a:p>
@@ -2254,7 +2254,7 @@
           <a:p>
             <a:fld id="{DAAF2A7E-F183-4AEC-8AD4-F1D906E932CB}" type="datetimeFigureOut">
               <a:rPr lang="en-US" smtClean="0"/>
-              <a:t>10/27/2011</a:t>
+              <a:t>11/4/2011</a:t>
             </a:fld>
             <a:endParaRPr lang="en-US"/>
           </a:p>
@@ -2507,7 +2507,7 @@
           <a:p>
             <a:fld id="{DAAF2A7E-F183-4AEC-8AD4-F1D906E932CB}" type="datetimeFigureOut">
               <a:rPr lang="en-US" smtClean="0"/>
-              <a:t>10/27/2011</a:t>
+              <a:t>11/4/2011</a:t>
             </a:fld>
             <a:endParaRPr lang="en-US"/>
           </a:p>
@@ -2720,7 +2720,7 @@
           <a:p>
             <a:fld id="{DAAF2A7E-F183-4AEC-8AD4-F1D906E932CB}" type="datetimeFigureOut">
               <a:rPr lang="en-US" smtClean="0"/>
-              <a:t>10/27/2011</a:t>
+              <a:t>11/4/2011</a:t>
             </a:fld>
             <a:endParaRPr lang="en-US"/>
           </a:p>
@@ -3103,8 +3103,8 @@
         </p:nvSpPr>
         <p:spPr>
           <a:xfrm>
-            <a:off x="270640" y="799483"/>
-            <a:ext cx="2182333" cy="133192"/>
+            <a:off x="270640" y="840943"/>
+            <a:ext cx="2166567" cy="154794"/>
           </a:xfrm>
           <a:custGeom>
             <a:avLst/>
@@ -3165,6 +3165,22 @@
               <a:gd name="connsiteY2" fmla="*/ 3386 h 133192"/>
               <a:gd name="connsiteX3" fmla="*/ 2182333 w 2182333"/>
               <a:gd name="connsiteY3" fmla="*/ 133192 h 133192"/>
+              <a:gd name="connsiteX0" fmla="*/ 0 w 2182333"/>
+              <a:gd name="connsiteY0" fmla="*/ 28601 h 91732"/>
+              <a:gd name="connsiteX1" fmla="*/ 609600 w 2182333"/>
+              <a:gd name="connsiteY1" fmla="*/ 26 h 91732"/>
+              <a:gd name="connsiteX2" fmla="*/ 1333500 w 2182333"/>
+              <a:gd name="connsiteY2" fmla="*/ 24988 h 91732"/>
+              <a:gd name="connsiteX3" fmla="*/ 2182333 w 2182333"/>
+              <a:gd name="connsiteY3" fmla="*/ 91732 h 91732"/>
+              <a:gd name="connsiteX0" fmla="*/ 0 w 2166567"/>
+              <a:gd name="connsiteY0" fmla="*/ 28601 h 154794"/>
+              <a:gd name="connsiteX1" fmla="*/ 609600 w 2166567"/>
+              <a:gd name="connsiteY1" fmla="*/ 26 h 154794"/>
+              <a:gd name="connsiteX2" fmla="*/ 1333500 w 2166567"/>
+              <a:gd name="connsiteY2" fmla="*/ 24988 h 154794"/>
+              <a:gd name="connsiteX3" fmla="*/ 2166567 w 2166567"/>
+              <a:gd name="connsiteY3" fmla="*/ 154794 h 154794"/>
             </a:gdLst>
             <a:ahLst/>
             <a:cxnLst>
@@ -3183,24 +3199,24 @@
             </a:cxnLst>
             <a:rect l="l" t="t" r="r" b="b"/>
             <a:pathLst>
-              <a:path w="2182333" h="133192">
+              <a:path w="2166567" h="154794">
                 <a:moveTo>
-                  <a:pt x="0" y="70061"/>
+                  <a:pt x="0" y="28601"/>
                 </a:moveTo>
                 <a:cubicBezTo>
-                  <a:pt x="200025" y="73236"/>
-                  <a:pt x="387350" y="52598"/>
-                  <a:pt x="609600" y="41486"/>
+                  <a:pt x="200025" y="31776"/>
+                  <a:pt x="387350" y="628"/>
+                  <a:pt x="609600" y="26"/>
                 </a:cubicBezTo>
                 <a:cubicBezTo>
-                  <a:pt x="850900" y="28786"/>
-                  <a:pt x="1071378" y="-11898"/>
-                  <a:pt x="1333500" y="3386"/>
+                  <a:pt x="831850" y="-576"/>
+                  <a:pt x="1071378" y="9704"/>
+                  <a:pt x="1333500" y="24988"/>
                 </a:cubicBezTo>
                 <a:cubicBezTo>
-                  <a:pt x="1595622" y="18670"/>
-                  <a:pt x="1909117" y="77962"/>
-                  <a:pt x="2182333" y="133192"/>
+                  <a:pt x="1595622" y="40272"/>
+                  <a:pt x="1893351" y="99564"/>
+                  <a:pt x="2166567" y="154794"/>
                 </a:cubicBezTo>
               </a:path>
             </a:pathLst>
@@ -3377,7 +3393,7 @@
         </p:nvSpPr>
         <p:spPr>
           <a:xfrm>
-            <a:off x="255372" y="4200434"/>
+            <a:off x="255372" y="4158695"/>
             <a:ext cx="2158853" cy="345695"/>
           </a:xfrm>
           <a:custGeom>
